--- a/Edulis trossulus galloprovincialis in Goseid/R_calc_geomorph/Figures/PCA_Shapes.pptx
+++ b/Edulis trossulus galloprovincialis in Goseid/R_calc_geomorph/Figures/PCA_Shapes.pptx
@@ -6,6 +6,7 @@
   </p:sldMasterIdLst>
   <p:sldIdLst>
     <p:sldId id="256" r:id="rId3"/>
+    <p:sldId id="257" r:id="rId4"/>
   </p:sldIdLst>
   <p:sldSz cx="12192000" cy="6858000"/>
   <p:notesSz cx="6858000" cy="9144000"/>
@@ -2921,68 +2922,503 @@
           <a:chExt cx="0" cy="0"/>
         </a:xfrm>
       </p:grpSpPr>
-      <p:sp>
-        <p:nvSpPr>
-          <p:cNvPr id="18" name="Прямоугольник 17"/>
-          <p:cNvSpPr/>
-          <p:nvPr/>
-        </p:nvSpPr>
-        <p:spPr>
-          <a:xfrm>
-            <a:off x="1684655" y="735330"/>
-            <a:ext cx="8289925" cy="5553710"/>
-          </a:xfrm>
-          <a:prstGeom prst="rect">
-            <a:avLst/>
-          </a:prstGeom>
-          <a:solidFill>
-            <a:schemeClr val="accent1">
-              <a:lumMod val="20000"/>
-              <a:lumOff val="80000"/>
-            </a:schemeClr>
-          </a:solidFill>
-        </p:spPr>
-        <p:style>
-          <a:lnRef idx="2">
-            <a:schemeClr val="accent1">
-              <a:shade val="50000"/>
-            </a:schemeClr>
-          </a:lnRef>
-          <a:fillRef idx="1">
-            <a:schemeClr val="accent1"/>
-          </a:fillRef>
-          <a:effectRef idx="0">
-            <a:schemeClr val="accent1"/>
-          </a:effectRef>
-          <a:fontRef idx="minor">
-            <a:schemeClr val="lt1"/>
-          </a:fontRef>
-        </p:style>
-        <p:txBody>
-          <a:bodyPr rtlCol="0" anchor="ctr"/>
-          <a:p>
-            <a:pPr algn="ctr"/>
-            <a:endParaRPr lang="ru-RU" altLang="en-US"/>
-          </a:p>
-        </p:txBody>
-      </p:sp>
       <p:grpSp>
         <p:nvGrpSpPr>
-          <p:cNvPr id="11" name="Группа 10"/>
+          <p:cNvPr id="8" name="Группа 7"/>
           <p:cNvGrpSpPr/>
           <p:nvPr/>
         </p:nvGrpSpPr>
         <p:grpSpPr>
           <a:xfrm>
-            <a:off x="1684655" y="735483"/>
-            <a:ext cx="8050530" cy="5368850"/>
-            <a:chOff x="350" y="818"/>
-            <a:chExt cx="17598" cy="12574"/>
+            <a:off x="2980055" y="1275080"/>
+            <a:ext cx="6476365" cy="4404360"/>
+            <a:chOff x="4693" y="1996"/>
+            <a:chExt cx="10199" cy="6936"/>
           </a:xfrm>
         </p:grpSpPr>
+        <p:cxnSp>
+          <p:nvCxnSpPr>
+            <p:cNvPr id="4" name="Прямая со стрелкой 3"/>
+            <p:cNvCxnSpPr/>
+            <p:nvPr/>
+          </p:nvCxnSpPr>
+          <p:spPr>
+            <a:xfrm flipH="1" flipV="1">
+              <a:off x="8917" y="1996"/>
+              <a:ext cx="39" cy="6937"/>
+            </a:xfrm>
+            <a:prstGeom prst="straightConnector1">
+              <a:avLst/>
+            </a:prstGeom>
+            <a:ln w="34925">
+              <a:solidFill>
+                <a:schemeClr val="tx1"/>
+              </a:solidFill>
+              <a:tailEnd type="arrow" w="sm" len="lg"/>
+            </a:ln>
+          </p:spPr>
+          <p:style>
+            <a:lnRef idx="1">
+              <a:schemeClr val="accent1"/>
+            </a:lnRef>
+            <a:fillRef idx="0">
+              <a:schemeClr val="accent1"/>
+            </a:fillRef>
+            <a:effectRef idx="0">
+              <a:schemeClr val="accent1"/>
+            </a:effectRef>
+            <a:fontRef idx="minor">
+              <a:schemeClr val="tx1"/>
+            </a:fontRef>
+          </p:style>
+        </p:cxnSp>
+        <p:cxnSp>
+          <p:nvCxnSpPr>
+            <p:cNvPr id="5" name="Прямая со стрелкой 4"/>
+            <p:cNvCxnSpPr/>
+            <p:nvPr/>
+          </p:nvCxnSpPr>
+          <p:spPr>
+            <a:xfrm>
+              <a:off x="4693" y="5552"/>
+              <a:ext cx="9611" cy="16"/>
+            </a:xfrm>
+            <a:prstGeom prst="straightConnector1">
+              <a:avLst/>
+            </a:prstGeom>
+            <a:ln w="34925">
+              <a:solidFill>
+                <a:schemeClr val="tx1"/>
+              </a:solidFill>
+              <a:tailEnd type="arrow" w="sm" len="lg"/>
+            </a:ln>
+          </p:spPr>
+          <p:style>
+            <a:lnRef idx="1">
+              <a:schemeClr val="accent1"/>
+            </a:lnRef>
+            <a:fillRef idx="0">
+              <a:schemeClr val="accent1"/>
+            </a:fillRef>
+            <a:effectRef idx="0">
+              <a:schemeClr val="accent1"/>
+            </a:effectRef>
+            <a:fontRef idx="minor">
+              <a:schemeClr val="tx1"/>
+            </a:fontRef>
+          </p:style>
+        </p:cxnSp>
+        <p:grpSp>
+          <p:nvGrpSpPr>
+            <p:cNvPr id="2" name="Группа 1"/>
+            <p:cNvGrpSpPr/>
+            <p:nvPr/>
+          </p:nvGrpSpPr>
+          <p:grpSpPr>
+            <a:xfrm>
+              <a:off x="4978" y="2582"/>
+              <a:ext cx="8404" cy="5898"/>
+              <a:chOff x="2653" y="1158"/>
+              <a:chExt cx="13054" cy="8746"/>
+            </a:xfrm>
+          </p:grpSpPr>
+          <p:sp>
+            <p:nvSpPr>
+              <p:cNvPr id="18" name="Прямоугольник 17"/>
+              <p:cNvSpPr/>
+              <p:nvPr/>
+            </p:nvSpPr>
+            <p:spPr>
+              <a:xfrm>
+                <a:off x="2653" y="1158"/>
+                <a:ext cx="13055" cy="8746"/>
+              </a:xfrm>
+              <a:prstGeom prst="rect">
+                <a:avLst/>
+              </a:prstGeom>
+              <a:solidFill>
+                <a:schemeClr val="accent1">
+                  <a:lumMod val="20000"/>
+                  <a:lumOff val="80000"/>
+                  <a:alpha val="76000"/>
+                </a:schemeClr>
+              </a:solidFill>
+            </p:spPr>
+            <p:style>
+              <a:lnRef idx="2">
+                <a:schemeClr val="accent1">
+                  <a:shade val="50000"/>
+                </a:schemeClr>
+              </a:lnRef>
+              <a:fillRef idx="1">
+                <a:schemeClr val="accent1"/>
+              </a:fillRef>
+              <a:effectRef idx="0">
+                <a:schemeClr val="accent1"/>
+              </a:effectRef>
+              <a:fontRef idx="minor">
+                <a:schemeClr val="lt1"/>
+              </a:fontRef>
+            </p:style>
+            <p:txBody>
+              <a:bodyPr rtlCol="0" anchor="ctr"/>
+              <a:p>
+                <a:pPr algn="ctr"/>
+                <a:endParaRPr lang="ru-RU" altLang="en-US"/>
+              </a:p>
+            </p:txBody>
+          </p:sp>
+          <p:grpSp>
+            <p:nvGrpSpPr>
+              <p:cNvPr id="11" name="Группа 10"/>
+              <p:cNvGrpSpPr/>
+              <p:nvPr/>
+            </p:nvGrpSpPr>
+            <p:grpSpPr>
+              <a:xfrm>
+                <a:off x="2653" y="1158"/>
+                <a:ext cx="12678" cy="8455"/>
+                <a:chOff x="350" y="818"/>
+                <a:chExt cx="17598" cy="12574"/>
+              </a:xfrm>
+            </p:grpSpPr>
+            <p:pic>
+              <p:nvPicPr>
+                <p:cNvPr id="12" name="Изображение 11"/>
+                <p:cNvPicPr>
+                  <a:picLocks noChangeAspect="1"/>
+                </p:cNvPicPr>
+                <p:nvPr/>
+              </p:nvPicPr>
+              <p:blipFill>
+                <a:blip r:embed="rId1">
+                  <a:clrChange>
+                    <a:clrFrom>
+                      <a:srgbClr val="FFFFFF">
+                        <a:alpha val="100000"/>
+                      </a:srgbClr>
+                    </a:clrFrom>
+                    <a:clrTo>
+                      <a:srgbClr val="FFFFFF">
+                        <a:alpha val="100000"/>
+                        <a:alpha val="0"/>
+                      </a:srgbClr>
+                    </a:clrTo>
+                  </a:clrChange>
+                </a:blip>
+                <a:srcRect l="24361" t="17876" r="22716" b="20076"/>
+                <a:stretch>
+                  <a:fillRect/>
+                </a:stretch>
+              </p:blipFill>
+              <p:spPr>
+                <a:xfrm>
+                  <a:off x="350" y="5298"/>
+                  <a:ext cx="5531" cy="4061"/>
+                </a:xfrm>
+                <a:prstGeom prst="rect">
+                  <a:avLst/>
+                </a:prstGeom>
+              </p:spPr>
+            </p:pic>
+            <p:pic>
+              <p:nvPicPr>
+                <p:cNvPr id="13" name="Изображение 12"/>
+                <p:cNvPicPr>
+                  <a:picLocks noChangeAspect="1"/>
+                </p:cNvPicPr>
+                <p:nvPr/>
+              </p:nvPicPr>
+              <p:blipFill>
+                <a:blip r:embed="rId2">
+                  <a:clrChange>
+                    <a:clrFrom>
+                      <a:srgbClr val="FFFFFF">
+                        <a:alpha val="100000"/>
+                      </a:srgbClr>
+                    </a:clrFrom>
+                    <a:clrTo>
+                      <a:srgbClr val="FFFFFF">
+                        <a:alpha val="100000"/>
+                        <a:alpha val="0"/>
+                      </a:srgbClr>
+                    </a:clrTo>
+                  </a:clrChange>
+                </a:blip>
+                <a:srcRect l="24403" t="17203" r="20066" b="20358"/>
+                <a:stretch>
+                  <a:fillRect/>
+                </a:stretch>
+              </p:blipFill>
+              <p:spPr>
+                <a:xfrm>
+                  <a:off x="5881" y="5283"/>
+                  <a:ext cx="5864" cy="4076"/>
+                </a:xfrm>
+                <a:prstGeom prst="rect">
+                  <a:avLst/>
+                </a:prstGeom>
+              </p:spPr>
+            </p:pic>
+            <p:pic>
+              <p:nvPicPr>
+                <p:cNvPr id="14" name="Изображение 13"/>
+                <p:cNvPicPr>
+                  <a:picLocks noChangeAspect="1"/>
+                </p:cNvPicPr>
+                <p:nvPr/>
+              </p:nvPicPr>
+              <p:blipFill>
+                <a:blip r:embed="rId3">
+                  <a:clrChange>
+                    <a:clrFrom>
+                      <a:srgbClr val="FFFFFF">
+                        <a:alpha val="100000"/>
+                      </a:srgbClr>
+                    </a:clrFrom>
+                    <a:clrTo>
+                      <a:srgbClr val="FFFFFF">
+                        <a:alpha val="100000"/>
+                        <a:alpha val="0"/>
+                      </a:srgbClr>
+                    </a:clrTo>
+                  </a:clrChange>
+                </a:blip>
+                <a:srcRect l="23362" t="17448" r="19763" b="21553"/>
+                <a:stretch>
+                  <a:fillRect/>
+                </a:stretch>
+              </p:blipFill>
+              <p:spPr>
+                <a:xfrm>
+                  <a:off x="11942" y="5377"/>
+                  <a:ext cx="6006" cy="3982"/>
+                </a:xfrm>
+                <a:prstGeom prst="rect">
+                  <a:avLst/>
+                </a:prstGeom>
+              </p:spPr>
+            </p:pic>
+            <p:pic>
+              <p:nvPicPr>
+                <p:cNvPr id="15" name="Изображение 14"/>
+                <p:cNvPicPr>
+                  <a:picLocks noChangeAspect="1"/>
+                </p:cNvPicPr>
+                <p:nvPr/>
+              </p:nvPicPr>
+              <p:blipFill>
+                <a:blip r:embed="rId4">
+                  <a:clrChange>
+                    <a:clrFrom>
+                      <a:srgbClr val="FFFFFF">
+                        <a:alpha val="100000"/>
+                      </a:srgbClr>
+                    </a:clrFrom>
+                    <a:clrTo>
+                      <a:srgbClr val="FFFFFF">
+                        <a:alpha val="100000"/>
+                        <a:alpha val="0"/>
+                      </a:srgbClr>
+                    </a:clrTo>
+                  </a:clrChange>
+                </a:blip>
+                <a:srcRect l="23665" t="16483" r="19025" b="20588"/>
+                <a:stretch>
+                  <a:fillRect/>
+                </a:stretch>
+              </p:blipFill>
+              <p:spPr>
+                <a:xfrm>
+                  <a:off x="5890" y="818"/>
+                  <a:ext cx="6052" cy="4108"/>
+                </a:xfrm>
+                <a:prstGeom prst="rect">
+                  <a:avLst/>
+                </a:prstGeom>
+              </p:spPr>
+            </p:pic>
+            <p:pic>
+              <p:nvPicPr>
+                <p:cNvPr id="17" name="Изображение 16"/>
+                <p:cNvPicPr>
+                  <a:picLocks noChangeAspect="1"/>
+                </p:cNvPicPr>
+                <p:nvPr/>
+              </p:nvPicPr>
+              <p:blipFill>
+                <a:blip r:embed="rId5">
+                  <a:clrChange>
+                    <a:clrFrom>
+                      <a:srgbClr val="FFFFFF">
+                        <a:alpha val="100000"/>
+                      </a:srgbClr>
+                    </a:clrFrom>
+                    <a:clrTo>
+                      <a:srgbClr val="FFFFFF">
+                        <a:alpha val="100000"/>
+                        <a:alpha val="0"/>
+                      </a:srgbClr>
+                    </a:clrTo>
+                  </a:clrChange>
+                </a:blip>
+                <a:srcRect l="25682" t="17647" r="21591" b="20588"/>
+                <a:stretch>
+                  <a:fillRect/>
+                </a:stretch>
+              </p:blipFill>
+              <p:spPr>
+                <a:xfrm>
+                  <a:off x="5882" y="9360"/>
+                  <a:ext cx="5568" cy="4032"/>
+                </a:xfrm>
+                <a:prstGeom prst="rect">
+                  <a:avLst/>
+                </a:prstGeom>
+              </p:spPr>
+            </p:pic>
+          </p:grpSp>
+        </p:grpSp>
+        <p:sp>
+          <p:nvSpPr>
+            <p:cNvPr id="6" name="Текстовое поле 5"/>
+            <p:cNvSpPr txBox="1"/>
+            <p:nvPr/>
+          </p:nvSpPr>
+          <p:spPr>
+            <a:xfrm>
+              <a:off x="13476" y="5676"/>
+              <a:ext cx="1416" cy="1016"/>
+            </a:xfrm>
+            <a:prstGeom prst="rect">
+              <a:avLst/>
+            </a:prstGeom>
+            <a:noFill/>
+          </p:spPr>
+          <p:txBody>
+            <a:bodyPr wrap="square" rtlCol="0">
+              <a:spAutoFit/>
+            </a:bodyPr>
+            <a:p>
+              <a:r>
+                <a:rPr lang="en-US" altLang="en-US"/>
+                <a:t>PC 1 </a:t>
+              </a:r>
+              <a:endParaRPr lang="en-US" altLang="en-US"/>
+            </a:p>
+            <a:p>
+              <a:r>
+                <a:rPr lang="en-US" altLang="en-US"/>
+                <a:t>34.8%</a:t>
+              </a:r>
+              <a:endParaRPr lang="en-US" altLang="en-US"/>
+            </a:p>
+          </p:txBody>
+        </p:sp>
+        <p:sp>
+          <p:nvSpPr>
+            <p:cNvPr id="7" name="Текстовое поле 6"/>
+            <p:cNvSpPr txBox="1"/>
+            <p:nvPr/>
+          </p:nvSpPr>
+          <p:spPr>
+            <a:xfrm>
+              <a:off x="9010" y="2002"/>
+              <a:ext cx="2280" cy="580"/>
+            </a:xfrm>
+            <a:prstGeom prst="rect">
+              <a:avLst/>
+            </a:prstGeom>
+            <a:noFill/>
+          </p:spPr>
+          <p:txBody>
+            <a:bodyPr wrap="square" rtlCol="0">
+              <a:spAutoFit/>
+            </a:bodyPr>
+            <a:p>
+              <a:r>
+                <a:rPr lang="en-US" altLang="en-US"/>
+                <a:t>PC 2 16.3%</a:t>
+              </a:r>
+              <a:endParaRPr lang="en-US" altLang="en-US"/>
+            </a:p>
+          </p:txBody>
+        </p:sp>
+      </p:grpSp>
+    </p:spTree>
+  </p:cSld>
+  <p:clrMapOvr>
+    <a:masterClrMapping/>
+  </p:clrMapOvr>
+</p:sld>
+</file>
+
+<file path=ppt/slides/slide2.xml><?xml version="1.0" encoding="utf-8"?>
+<p:sld xmlns:a="http://schemas.openxmlformats.org/drawingml/2006/main" xmlns:r="http://schemas.openxmlformats.org/officeDocument/2006/relationships" xmlns:p="http://schemas.openxmlformats.org/presentationml/2006/main">
+  <p:cSld>
+    <p:spTree>
+      <p:nvGrpSpPr>
+        <p:cNvPr id="1" name=""/>
+        <p:cNvGrpSpPr/>
+        <p:nvPr/>
+      </p:nvGrpSpPr>
+      <p:grpSpPr/>
+      <p:grpSp>
+        <p:nvGrpSpPr>
+          <p:cNvPr id="6" name="Группа 5"/>
+          <p:cNvGrpSpPr/>
+          <p:nvPr/>
+        </p:nvGrpSpPr>
+        <p:grpSpPr>
+          <a:xfrm>
+            <a:off x="3219450" y="1588770"/>
+            <a:ext cx="4479290" cy="3182620"/>
+            <a:chOff x="6270" y="3222"/>
+            <a:chExt cx="7054" cy="5012"/>
+          </a:xfrm>
+        </p:grpSpPr>
+        <p:sp>
+          <p:nvSpPr>
+            <p:cNvPr id="5" name="Прямоугольник 4"/>
+            <p:cNvSpPr/>
+            <p:nvPr/>
+          </p:nvSpPr>
+          <p:spPr>
+            <a:xfrm>
+              <a:off x="6270" y="3222"/>
+              <a:ext cx="7054" cy="5012"/>
+            </a:xfrm>
+            <a:prstGeom prst="rect">
+              <a:avLst/>
+            </a:prstGeom>
+          </p:spPr>
+          <p:style>
+            <a:lnRef idx="2">
+              <a:schemeClr val="accent1">
+                <a:shade val="50000"/>
+              </a:schemeClr>
+            </a:lnRef>
+            <a:fillRef idx="1">
+              <a:schemeClr val="accent1"/>
+            </a:fillRef>
+            <a:effectRef idx="0">
+              <a:schemeClr val="accent1"/>
+            </a:effectRef>
+            <a:fontRef idx="minor">
+              <a:schemeClr val="lt1"/>
+            </a:fontRef>
+          </p:style>
+          <p:txBody>
+            <a:bodyPr rtlCol="0" anchor="ctr"/>
+            <a:p>
+              <a:pPr algn="ctr"/>
+              <a:endParaRPr lang="ru-RU" altLang="en-US"/>
+            </a:p>
+          </p:txBody>
+        </p:sp>
         <p:pic>
           <p:nvPicPr>
-            <p:cNvPr id="12" name="Изображение 11"/>
+            <p:cNvPr id="4" name="Изображение 3" descr="Candao_4"/>
             <p:cNvPicPr>
               <a:picLocks noChangeAspect="1"/>
             </p:cNvPicPr>
@@ -2992,187 +3428,34 @@
             <a:blip r:embed="rId1">
               <a:clrChange>
                 <a:clrFrom>
-                  <a:srgbClr val="FFFFFF">
+                  <a:srgbClr val="010300">
                     <a:alpha val="100000"/>
                   </a:srgbClr>
                 </a:clrFrom>
                 <a:clrTo>
-                  <a:srgbClr val="FFFFFF">
+                  <a:srgbClr val="010300">
                     <a:alpha val="100000"/>
                     <a:alpha val="0"/>
                   </a:srgbClr>
                 </a:clrTo>
               </a:clrChange>
             </a:blip>
-            <a:srcRect l="24361" t="17876" r="22716" b="20076"/>
+            <a:srcRect l="7514" t="14532" r="7711" b="10272"/>
             <a:stretch>
               <a:fillRect/>
             </a:stretch>
           </p:blipFill>
           <p:spPr>
             <a:xfrm>
-              <a:off x="350" y="5298"/>
-              <a:ext cx="5531" cy="4061"/>
+              <a:off x="6368" y="3335"/>
+              <a:ext cx="6860" cy="4802"/>
             </a:xfrm>
             <a:prstGeom prst="rect">
               <a:avLst/>
             </a:prstGeom>
-          </p:spPr>
-        </p:pic>
-        <p:pic>
-          <p:nvPicPr>
-            <p:cNvPr id="13" name="Изображение 12"/>
-            <p:cNvPicPr>
-              <a:picLocks noChangeAspect="1"/>
-            </p:cNvPicPr>
-            <p:nvPr/>
-          </p:nvPicPr>
-          <p:blipFill>
-            <a:blip r:embed="rId2">
-              <a:clrChange>
-                <a:clrFrom>
-                  <a:srgbClr val="FFFFFF">
-                    <a:alpha val="100000"/>
-                  </a:srgbClr>
-                </a:clrFrom>
-                <a:clrTo>
-                  <a:srgbClr val="FFFFFF">
-                    <a:alpha val="100000"/>
-                    <a:alpha val="0"/>
-                  </a:srgbClr>
-                </a:clrTo>
-              </a:clrChange>
-            </a:blip>
-            <a:srcRect l="24403" t="17203" r="20066" b="20358"/>
-            <a:stretch>
-              <a:fillRect/>
-            </a:stretch>
-          </p:blipFill>
-          <p:spPr>
-            <a:xfrm>
-              <a:off x="5881" y="5283"/>
-              <a:ext cx="5864" cy="4076"/>
-            </a:xfrm>
-            <a:prstGeom prst="rect">
-              <a:avLst/>
-            </a:prstGeom>
-          </p:spPr>
-        </p:pic>
-        <p:pic>
-          <p:nvPicPr>
-            <p:cNvPr id="14" name="Изображение 13"/>
-            <p:cNvPicPr>
-              <a:picLocks noChangeAspect="1"/>
-            </p:cNvPicPr>
-            <p:nvPr/>
-          </p:nvPicPr>
-          <p:blipFill>
-            <a:blip r:embed="rId3">
-              <a:clrChange>
-                <a:clrFrom>
-                  <a:srgbClr val="FFFFFF">
-                    <a:alpha val="100000"/>
-                  </a:srgbClr>
-                </a:clrFrom>
-                <a:clrTo>
-                  <a:srgbClr val="FFFFFF">
-                    <a:alpha val="100000"/>
-                    <a:alpha val="0"/>
-                  </a:srgbClr>
-                </a:clrTo>
-              </a:clrChange>
-            </a:blip>
-            <a:srcRect l="23362" t="17448" r="19763" b="21553"/>
-            <a:stretch>
-              <a:fillRect/>
-            </a:stretch>
-          </p:blipFill>
-          <p:spPr>
-            <a:xfrm>
-              <a:off x="11942" y="5377"/>
-              <a:ext cx="6006" cy="3982"/>
-            </a:xfrm>
-            <a:prstGeom prst="rect">
-              <a:avLst/>
-            </a:prstGeom>
-          </p:spPr>
-        </p:pic>
-        <p:pic>
-          <p:nvPicPr>
-            <p:cNvPr id="15" name="Изображение 14"/>
-            <p:cNvPicPr>
-              <a:picLocks noChangeAspect="1"/>
-            </p:cNvPicPr>
-            <p:nvPr/>
-          </p:nvPicPr>
-          <p:blipFill>
-            <a:blip r:embed="rId4">
-              <a:clrChange>
-                <a:clrFrom>
-                  <a:srgbClr val="FFFFFF">
-                    <a:alpha val="100000"/>
-                  </a:srgbClr>
-                </a:clrFrom>
-                <a:clrTo>
-                  <a:srgbClr val="FFFFFF">
-                    <a:alpha val="100000"/>
-                    <a:alpha val="0"/>
-                  </a:srgbClr>
-                </a:clrTo>
-              </a:clrChange>
-            </a:blip>
-            <a:srcRect l="23665" t="16483" r="19025" b="20588"/>
-            <a:stretch>
-              <a:fillRect/>
-            </a:stretch>
-          </p:blipFill>
-          <p:spPr>
-            <a:xfrm>
-              <a:off x="5890" y="818"/>
-              <a:ext cx="6052" cy="4108"/>
-            </a:xfrm>
-            <a:prstGeom prst="rect">
-              <a:avLst/>
-            </a:prstGeom>
-          </p:spPr>
-        </p:pic>
-        <p:pic>
-          <p:nvPicPr>
-            <p:cNvPr id="17" name="Изображение 16"/>
-            <p:cNvPicPr>
-              <a:picLocks noChangeAspect="1"/>
-            </p:cNvPicPr>
-            <p:nvPr/>
-          </p:nvPicPr>
-          <p:blipFill>
-            <a:blip r:embed="rId5">
-              <a:clrChange>
-                <a:clrFrom>
-                  <a:srgbClr val="FFFFFF">
-                    <a:alpha val="100000"/>
-                  </a:srgbClr>
-                </a:clrFrom>
-                <a:clrTo>
-                  <a:srgbClr val="FFFFFF">
-                    <a:alpha val="100000"/>
-                    <a:alpha val="0"/>
-                  </a:srgbClr>
-                </a:clrTo>
-              </a:clrChange>
-            </a:blip>
-            <a:srcRect l="25682" t="17647" r="21591" b="20588"/>
-            <a:stretch>
-              <a:fillRect/>
-            </a:stretch>
-          </p:blipFill>
-          <p:spPr>
-            <a:xfrm>
-              <a:off x="5882" y="9360"/>
-              <a:ext cx="5568" cy="4032"/>
-            </a:xfrm>
-            <a:prstGeom prst="rect">
-              <a:avLst/>
-            </a:prstGeom>
+            <a:solidFill>
+              <a:schemeClr val="tx1"/>
+            </a:solidFill>
           </p:spPr>
         </p:pic>
       </p:grpSp>
